--- a/Zweites Ausbildungsjahr/BP/Einzelunternehmen.eingetragener Kaufmann..e.K.Aps.pptx
+++ b/Zweites Ausbildungsjahr/BP/Einzelunternehmen.eingetragener Kaufmann..e.K.Aps.pptx
@@ -6579,6 +6579,67 @@
           </a:p>
         </p:txBody>
       </p:sp>
+      <p:sp>
+        <p:nvSpPr>
+          <p:cNvPr id="10" name="Oval 9">
+            <a:extLst>
+              <a:ext uri="{FF2B5EF4-FFF2-40B4-BE49-F238E27FC236}">
+                <a16:creationId xmlns:a16="http://schemas.microsoft.com/office/drawing/2014/main" id="{8684CFA8-B0D1-3E98-5D8B-703E1882046D}"/>
+              </a:ext>
+            </a:extLst>
+          </p:cNvPr>
+          <p:cNvSpPr/>
+          <p:nvPr/>
+        </p:nvSpPr>
+        <p:spPr>
+          <a:xfrm>
+            <a:off x="-952500" y="-691243"/>
+            <a:ext cx="177800" cy="183243"/>
+          </a:xfrm>
+          <a:prstGeom prst="ellipse">
+            <a:avLst/>
+          </a:prstGeom>
+          <a:solidFill>
+            <a:schemeClr val="bg1"/>
+          </a:solidFill>
+          <a:ln>
+            <a:noFill/>
+          </a:ln>
+        </p:spPr>
+        <p:style>
+          <a:lnRef idx="2">
+            <a:schemeClr val="accent1">
+              <a:shade val="50000"/>
+            </a:schemeClr>
+          </a:lnRef>
+          <a:fillRef idx="1">
+            <a:schemeClr val="accent1"/>
+          </a:fillRef>
+          <a:effectRef idx="0">
+            <a:schemeClr val="accent1"/>
+          </a:effectRef>
+          <a:fontRef idx="minor">
+            <a:schemeClr val="lt1"/>
+          </a:fontRef>
+        </p:style>
+        <p:txBody>
+          <a:bodyPr rtlCol="0" anchor="ctr"/>
+          <a:lstStyle/>
+          <a:p>
+            <a:pPr algn="ctr"/>
+            <a:endParaRPr lang="de-DE">
+              <a:ln>
+                <a:solidFill>
+                  <a:schemeClr val="bg1"/>
+                </a:solidFill>
+              </a:ln>
+              <a:solidFill>
+                <a:schemeClr val="bg1"/>
+              </a:solidFill>
+            </a:endParaRPr>
+          </a:p>
+        </p:txBody>
+      </p:sp>
       <p:graphicFrame>
         <p:nvGraphicFramePr>
           <p:cNvPr id="4" name="Inhaltsplatzhalter 3">
@@ -6740,6 +6801,82 @@
       </p:transition>
     </mc:Fallback>
   </mc:AlternateContent>
+  <p:timing>
+    <p:tnLst>
+      <p:par>
+        <p:cTn id="1" dur="indefinite" restart="never" nodeType="tmRoot">
+          <p:childTnLst>
+            <p:seq concurrent="1" nextAc="seek">
+              <p:cTn id="2" dur="indefinite" nodeType="mainSeq">
+                <p:childTnLst>
+                  <p:par>
+                    <p:cTn id="3" fill="hold">
+                      <p:stCondLst>
+                        <p:cond delay="indefinite"/>
+                        <p:cond evt="onBegin" delay="0">
+                          <p:tn val="2"/>
+                        </p:cond>
+                      </p:stCondLst>
+                      <p:childTnLst>
+                        <p:par>
+                          <p:cTn id="4" fill="hold">
+                            <p:stCondLst>
+                              <p:cond delay="0"/>
+                            </p:stCondLst>
+                            <p:childTnLst>
+                              <p:par>
+                                <p:cTn id="5" presetID="0" presetClass="path" presetSubtype="0" repeatCount="indefinite" accel="50000" decel="50000" autoRev="1" fill="hold" grpId="0" nodeType="afterEffect">
+                                  <p:stCondLst>
+                                    <p:cond delay="0"/>
+                                  </p:stCondLst>
+                                  <p:childTnLst>
+                                    <p:animMotion origin="layout" path="M 3.33333E-6 -1.48148E-6 L 0.27799 -0.11296 L 0.49166 0.07778 L 0.17708 0.20185 L 0.46237 0.41458 L 0.38125 0.54445 L 0.59049 0.79769 L 0.33646 0.9963 L 0.30924 1.29445 L -0.05417 1.06667 L -0.03959 0.67384 L 0.19479 0.76273 L 0.69896 0.28333 L 0.8875 -0.11667 L 0.8875 -0.11643 " pathEditMode="relative" rAng="0" ptsTypes="AAAAAAAAAAAAAAA">
+                                      <p:cBhvr>
+                                        <p:cTn id="6" dur="30000" fill="hold"/>
+                                        <p:tgtEl>
+                                          <p:spTgt spid="10"/>
+                                        </p:tgtEl>
+                                        <p:attrNameLst>
+                                          <p:attrName>ppt_x</p:attrName>
+                                          <p:attrName>ppt_y</p:attrName>
+                                        </p:attrNameLst>
+                                      </p:cBhvr>
+                                      <p:rCtr x="41667" y="58889"/>
+                                    </p:animMotion>
+                                  </p:childTnLst>
+                                </p:cTn>
+                              </p:par>
+                            </p:childTnLst>
+                          </p:cTn>
+                        </p:par>
+                      </p:childTnLst>
+                    </p:cTn>
+                  </p:par>
+                </p:childTnLst>
+              </p:cTn>
+              <p:prevCondLst>
+                <p:cond evt="onPrev" delay="0">
+                  <p:tgtEl>
+                    <p:sldTgt/>
+                  </p:tgtEl>
+                </p:cond>
+              </p:prevCondLst>
+              <p:nextCondLst>
+                <p:cond evt="onNext" delay="0">
+                  <p:tgtEl>
+                    <p:sldTgt/>
+                  </p:tgtEl>
+                </p:cond>
+              </p:nextCondLst>
+            </p:seq>
+          </p:childTnLst>
+        </p:cTn>
+      </p:par>
+    </p:tnLst>
+    <p:bldLst>
+      <p:bldP spid="10" grpId="0" animBg="1"/>
+    </p:bldLst>
+  </p:timing>
 </p:sld>
 </file>
 
@@ -7018,6 +7155,67 @@
           </a:p>
         </p:txBody>
       </p:sp>
+      <p:sp>
+        <p:nvSpPr>
+          <p:cNvPr id="8" name="Oval 7">
+            <a:extLst>
+              <a:ext uri="{FF2B5EF4-FFF2-40B4-BE49-F238E27FC236}">
+                <a16:creationId xmlns:a16="http://schemas.microsoft.com/office/drawing/2014/main" id="{FFC20206-33AF-019F-A06D-8EEAA340C8ED}"/>
+              </a:ext>
+            </a:extLst>
+          </p:cNvPr>
+          <p:cNvSpPr/>
+          <p:nvPr/>
+        </p:nvSpPr>
+        <p:spPr>
+          <a:xfrm>
+            <a:off x="3098800" y="-950345"/>
+            <a:ext cx="177800" cy="183243"/>
+          </a:xfrm>
+          <a:prstGeom prst="ellipse">
+            <a:avLst/>
+          </a:prstGeom>
+          <a:solidFill>
+            <a:schemeClr val="bg1"/>
+          </a:solidFill>
+          <a:ln>
+            <a:noFill/>
+          </a:ln>
+        </p:spPr>
+        <p:style>
+          <a:lnRef idx="2">
+            <a:schemeClr val="accent1">
+              <a:shade val="50000"/>
+            </a:schemeClr>
+          </a:lnRef>
+          <a:fillRef idx="1">
+            <a:schemeClr val="accent1"/>
+          </a:fillRef>
+          <a:effectRef idx="0">
+            <a:schemeClr val="accent1"/>
+          </a:effectRef>
+          <a:fontRef idx="minor">
+            <a:schemeClr val="lt1"/>
+          </a:fontRef>
+        </p:style>
+        <p:txBody>
+          <a:bodyPr rtlCol="0" anchor="ctr"/>
+          <a:lstStyle/>
+          <a:p>
+            <a:pPr algn="ctr"/>
+            <a:endParaRPr lang="de-DE" dirty="0">
+              <a:ln>
+                <a:solidFill>
+                  <a:schemeClr val="bg1"/>
+                </a:solidFill>
+              </a:ln>
+              <a:solidFill>
+                <a:schemeClr val="bg1"/>
+              </a:solidFill>
+            </a:endParaRPr>
+          </a:p>
+        </p:txBody>
+      </p:sp>
     </p:spTree>
     <p:extLst>
       <p:ext uri="{BB962C8B-B14F-4D97-AF65-F5344CB8AC3E}">
@@ -7040,6 +7238,82 @@
       </p:transition>
     </mc:Fallback>
   </mc:AlternateContent>
+  <p:timing>
+    <p:tnLst>
+      <p:par>
+        <p:cTn id="1" dur="indefinite" restart="never" nodeType="tmRoot">
+          <p:childTnLst>
+            <p:seq concurrent="1" nextAc="seek">
+              <p:cTn id="2" dur="indefinite" nodeType="mainSeq">
+                <p:childTnLst>
+                  <p:par>
+                    <p:cTn id="3" fill="hold">
+                      <p:stCondLst>
+                        <p:cond delay="indefinite"/>
+                        <p:cond evt="onBegin" delay="0">
+                          <p:tn val="2"/>
+                        </p:cond>
+                      </p:stCondLst>
+                      <p:childTnLst>
+                        <p:par>
+                          <p:cTn id="4" fill="hold">
+                            <p:stCondLst>
+                              <p:cond delay="0"/>
+                            </p:stCondLst>
+                            <p:childTnLst>
+                              <p:par>
+                                <p:cTn id="5" presetID="0" presetClass="path" presetSubtype="0" repeatCount="indefinite" accel="50000" decel="50000" autoRev="1" fill="hold" grpId="0" nodeType="afterEffect">
+                                  <p:stCondLst>
+                                    <p:cond delay="0"/>
+                                  </p:stCondLst>
+                                  <p:childTnLst>
+                                    <p:animMotion origin="layout" path="M 1.66667E-6 1.48148E-6 L 0.27799 -0.11296 L 0.49167 0.07778 L 0.17708 0.20185 L 0.46237 0.41458 L 0.38125 0.54444 L 0.59049 0.79768 L 0.33646 0.99629 L 0.30924 1.29444 L -0.05417 1.06667 L -0.03958 0.67384 L 0.19479 0.76273 L 0.69896 0.28333 L 0.8875 -0.11667 L 0.8875 -0.11644 " pathEditMode="relative" rAng="0" ptsTypes="AAAAAAAAAAAAAAA">
+                                      <p:cBhvr>
+                                        <p:cTn id="6" dur="30000" fill="hold"/>
+                                        <p:tgtEl>
+                                          <p:spTgt spid="8"/>
+                                        </p:tgtEl>
+                                        <p:attrNameLst>
+                                          <p:attrName>ppt_x</p:attrName>
+                                          <p:attrName>ppt_y</p:attrName>
+                                        </p:attrNameLst>
+                                      </p:cBhvr>
+                                      <p:rCtr x="41667" y="58889"/>
+                                    </p:animMotion>
+                                  </p:childTnLst>
+                                </p:cTn>
+                              </p:par>
+                            </p:childTnLst>
+                          </p:cTn>
+                        </p:par>
+                      </p:childTnLst>
+                    </p:cTn>
+                  </p:par>
+                </p:childTnLst>
+              </p:cTn>
+              <p:prevCondLst>
+                <p:cond evt="onPrev" delay="0">
+                  <p:tgtEl>
+                    <p:sldTgt/>
+                  </p:tgtEl>
+                </p:cond>
+              </p:prevCondLst>
+              <p:nextCondLst>
+                <p:cond evt="onNext" delay="0">
+                  <p:tgtEl>
+                    <p:sldTgt/>
+                  </p:tgtEl>
+                </p:cond>
+              </p:nextCondLst>
+            </p:seq>
+          </p:childTnLst>
+        </p:cTn>
+      </p:par>
+    </p:tnLst>
+    <p:bldLst>
+      <p:bldP spid="8" grpId="0" animBg="1"/>
+    </p:bldLst>
+  </p:timing>
 </p:sld>
 </file>
 
@@ -7457,6 +7731,67 @@
           </a:p>
         </p:txBody>
       </p:sp>
+      <p:sp>
+        <p:nvSpPr>
+          <p:cNvPr id="8" name="Oval 7">
+            <a:extLst>
+              <a:ext uri="{FF2B5EF4-FFF2-40B4-BE49-F238E27FC236}">
+                <a16:creationId xmlns:a16="http://schemas.microsoft.com/office/drawing/2014/main" id="{0C81C0B8-61EB-CA28-A5B6-D6A119B316FD}"/>
+              </a:ext>
+            </a:extLst>
+          </p:cNvPr>
+          <p:cNvSpPr/>
+          <p:nvPr/>
+        </p:nvSpPr>
+        <p:spPr>
+          <a:xfrm>
+            <a:off x="3403600" y="-920523"/>
+            <a:ext cx="177800" cy="183243"/>
+          </a:xfrm>
+          <a:prstGeom prst="ellipse">
+            <a:avLst/>
+          </a:prstGeom>
+          <a:solidFill>
+            <a:schemeClr val="bg1"/>
+          </a:solidFill>
+          <a:ln>
+            <a:noFill/>
+          </a:ln>
+        </p:spPr>
+        <p:style>
+          <a:lnRef idx="2">
+            <a:schemeClr val="accent1">
+              <a:shade val="50000"/>
+            </a:schemeClr>
+          </a:lnRef>
+          <a:fillRef idx="1">
+            <a:schemeClr val="accent1"/>
+          </a:fillRef>
+          <a:effectRef idx="0">
+            <a:schemeClr val="accent1"/>
+          </a:effectRef>
+          <a:fontRef idx="minor">
+            <a:schemeClr val="lt1"/>
+          </a:fontRef>
+        </p:style>
+        <p:txBody>
+          <a:bodyPr rtlCol="0" anchor="ctr"/>
+          <a:lstStyle/>
+          <a:p>
+            <a:pPr algn="ctr"/>
+            <a:endParaRPr lang="de-DE" dirty="0">
+              <a:ln>
+                <a:solidFill>
+                  <a:schemeClr val="bg1"/>
+                </a:solidFill>
+              </a:ln>
+              <a:solidFill>
+                <a:schemeClr val="bg1"/>
+              </a:solidFill>
+            </a:endParaRPr>
+          </a:p>
+        </p:txBody>
+      </p:sp>
     </p:spTree>
     <p:extLst>
       <p:ext uri="{BB962C8B-B14F-4D97-AF65-F5344CB8AC3E}">
@@ -7479,6 +7814,82 @@
       </p:transition>
     </mc:Fallback>
   </mc:AlternateContent>
+  <p:timing>
+    <p:tnLst>
+      <p:par>
+        <p:cTn id="1" dur="indefinite" restart="never" nodeType="tmRoot">
+          <p:childTnLst>
+            <p:seq concurrent="1" nextAc="seek">
+              <p:cTn id="2" dur="indefinite" nodeType="mainSeq">
+                <p:childTnLst>
+                  <p:par>
+                    <p:cTn id="3" fill="hold">
+                      <p:stCondLst>
+                        <p:cond delay="indefinite"/>
+                        <p:cond evt="onBegin" delay="0">
+                          <p:tn val="2"/>
+                        </p:cond>
+                      </p:stCondLst>
+                      <p:childTnLst>
+                        <p:par>
+                          <p:cTn id="4" fill="hold">
+                            <p:stCondLst>
+                              <p:cond delay="0"/>
+                            </p:stCondLst>
+                            <p:childTnLst>
+                              <p:par>
+                                <p:cTn id="5" presetID="0" presetClass="path" presetSubtype="0" repeatCount="indefinite" accel="50000" decel="50000" autoRev="1" fill="hold" grpId="0" nodeType="afterEffect">
+                                  <p:stCondLst>
+                                    <p:cond delay="0"/>
+                                  </p:stCondLst>
+                                  <p:childTnLst>
+                                    <p:animMotion origin="layout" path="M 1.66667E-6 3.33333E-6 L 0.27799 -0.11297 L 0.49167 0.07777 L 0.17708 0.20185 L 0.46237 0.41458 L 0.38125 0.54444 L 0.59049 0.79768 L 0.33646 0.99629 L 0.30924 1.29444 L -0.05417 1.06666 L -0.03958 0.67384 L 0.19479 0.76273 L 0.69896 0.28333 L 0.8875 -0.11667 L 0.8875 -0.11644 " pathEditMode="relative" rAng="0" ptsTypes="AAAAAAAAAAAAAAA">
+                                      <p:cBhvr>
+                                        <p:cTn id="6" dur="30000" fill="hold"/>
+                                        <p:tgtEl>
+                                          <p:spTgt spid="8"/>
+                                        </p:tgtEl>
+                                        <p:attrNameLst>
+                                          <p:attrName>ppt_x</p:attrName>
+                                          <p:attrName>ppt_y</p:attrName>
+                                        </p:attrNameLst>
+                                      </p:cBhvr>
+                                      <p:rCtr x="41667" y="58889"/>
+                                    </p:animMotion>
+                                  </p:childTnLst>
+                                </p:cTn>
+                              </p:par>
+                            </p:childTnLst>
+                          </p:cTn>
+                        </p:par>
+                      </p:childTnLst>
+                    </p:cTn>
+                  </p:par>
+                </p:childTnLst>
+              </p:cTn>
+              <p:prevCondLst>
+                <p:cond evt="onPrev" delay="0">
+                  <p:tgtEl>
+                    <p:sldTgt/>
+                  </p:tgtEl>
+                </p:cond>
+              </p:prevCondLst>
+              <p:nextCondLst>
+                <p:cond evt="onNext" delay="0">
+                  <p:tgtEl>
+                    <p:sldTgt/>
+                  </p:tgtEl>
+                </p:cond>
+              </p:nextCondLst>
+            </p:seq>
+          </p:childTnLst>
+        </p:cTn>
+      </p:par>
+    </p:tnLst>
+    <p:bldLst>
+      <p:bldP spid="8" grpId="0" animBg="1"/>
+    </p:bldLst>
+  </p:timing>
 </p:sld>
 </file>
 
